--- a/PPTs/02 Change Detection.pptx
+++ b/PPTs/02 Change Detection.pptx
@@ -147,10 +147,6 @@
     </p:ext>
   </p:extLst>
 </p:presentation>
-</file>
-
-<file path=ppt/revisionInfo.xml><?xml version="1.0" encoding="utf-8"?>
-<p1510:revInfo xmlns:a="http://schemas.openxmlformats.org/drawingml/2006/main" xmlns:r="http://schemas.openxmlformats.org/officeDocument/2006/relationships" xmlns:p1510="http://schemas.microsoft.com/office/powerpoint/2015/10/main"/>
 </file>
 
 <file path=ppt/diagrams/colors1.xml><?xml version="1.0" encoding="utf-8"?>
@@ -5350,7 +5346,7 @@
             <a:fld id="{4991502B-FFA8-47B9-B4E5-980CA415BAFF}" type="datetimeFigureOut">
               <a:rPr lang="en-US" smtClean="0"/>
               <a:pPr/>
-              <a:t>12/3/2017</a:t>
+              <a:t>5/9/2018</a:t>
             </a:fld>
             <a:endParaRPr lang="en-US"/>
           </a:p>
@@ -19071,7 +19067,7 @@
             <a:pPr lvl="1"/>
             <a:r>
               <a:rPr lang="en-US" dirty="0"/>
-              <a:t>Few milliseconds for large application</a:t>
+              <a:t>Few milliseconds for large applications</a:t>
             </a:r>
           </a:p>
           <a:p>
@@ -19218,7 +19214,7 @@
           <a:p>
             <a:r>
               <a:rPr lang="en-US" dirty="0"/>
-              <a:t>What are the “things” that can trigger changes ?</a:t>
+              <a:t>What are the “things” that can trigger a change ?</a:t>
             </a:r>
           </a:p>
           <a:p>

--- a/PPTs/02 Change Detection.pptx
+++ b/PPTs/02 Change Detection.pptx
@@ -5346,7 +5346,7 @@
             <a:fld id="{4991502B-FFA8-47B9-B4E5-980CA415BAFF}" type="datetimeFigureOut">
               <a:rPr lang="en-US" smtClean="0"/>
               <a:pPr/>
-              <a:t>5/9/2018</a:t>
+              <a:t>10/24/2018</a:t>
             </a:fld>
             <a:endParaRPr lang="en-US"/>
           </a:p>
@@ -12229,12 +12229,8 @@
           <a:p>
             <a:pPr algn="ctr"/>
             <a:r>
-              <a:rPr lang="en-US" sz="1400" dirty="0" err="1"/>
-              <a:t>Excetion</a:t>
-            </a:r>
-            <a:r>
               <a:rPr lang="en-US" sz="1400" dirty="0"/>
-              <a:t> is thrown at DEV mode</a:t>
+              <a:t>Exception is thrown at DEV mode</a:t>
             </a:r>
             <a:endParaRPr lang="he-IL" sz="1400" dirty="0"/>
           </a:p>
@@ -13568,7 +13564,7 @@
         <p:spPr>
           <a:xfrm>
             <a:off x="612648" y="3284984"/>
-            <a:ext cx="4248472" cy="2246769"/>
+            <a:ext cx="4248472" cy="2031325"/>
           </a:xfrm>
           <a:prstGeom prst="rect">
             <a:avLst/>
@@ -13791,93 +13787,6 @@
                 <a:cs typeface="Arial" panose="020B0604020202020204" pitchFamily="34" charset="0"/>
               </a:rPr>
               <a:t>],</a:t>
-            </a:r>
-            <a:br>
-              <a:rPr lang="en-US" sz="1400" dirty="0">
-                <a:solidFill>
-                  <a:srgbClr val="000000"/>
-                </a:solidFill>
-                <a:latin typeface="Calibri" panose="020F0502020204030204" pitchFamily="34" charset="0"/>
-                <a:ea typeface="Calibri" panose="020F0502020204030204" pitchFamily="34" charset="0"/>
-                <a:cs typeface="Arial" panose="020B0604020202020204" pitchFamily="34" charset="0"/>
-              </a:rPr>
-            </a:br>
-            <a:r>
-              <a:rPr lang="en-US" sz="1400" dirty="0">
-                <a:solidFill>
-                  <a:srgbClr val="000000"/>
-                </a:solidFill>
-                <a:latin typeface="Calibri" panose="020F0502020204030204" pitchFamily="34" charset="0"/>
-                <a:ea typeface="Calibri" panose="020F0502020204030204" pitchFamily="34" charset="0"/>
-                <a:cs typeface="Arial" panose="020B0604020202020204" pitchFamily="34" charset="0"/>
-              </a:rPr>
-              <a:t>    </a:t>
-            </a:r>
-            <a:r>
-              <a:rPr lang="en-US" sz="1400" b="1" dirty="0" err="1">
-                <a:solidFill>
-                  <a:srgbClr val="660E7A"/>
-                </a:solidFill>
-                <a:latin typeface="Calibri" panose="020F0502020204030204" pitchFamily="34" charset="0"/>
-                <a:ea typeface="Calibri" panose="020F0502020204030204" pitchFamily="34" charset="0"/>
-                <a:cs typeface="Arial" panose="020B0604020202020204" pitchFamily="34" charset="0"/>
-              </a:rPr>
-              <a:t>moduleId</a:t>
-            </a:r>
-            <a:r>
-              <a:rPr lang="en-US" sz="1400" dirty="0">
-                <a:solidFill>
-                  <a:srgbClr val="000000"/>
-                </a:solidFill>
-                <a:latin typeface="Calibri" panose="020F0502020204030204" pitchFamily="34" charset="0"/>
-                <a:ea typeface="Calibri" panose="020F0502020204030204" pitchFamily="34" charset="0"/>
-                <a:cs typeface="Arial" panose="020B0604020202020204" pitchFamily="34" charset="0"/>
-              </a:rPr>
-              <a:t>: </a:t>
-            </a:r>
-            <a:r>
-              <a:rPr lang="en-US" sz="1400" b="1" i="1" dirty="0">
-                <a:solidFill>
-                  <a:srgbClr val="660E7A"/>
-                </a:solidFill>
-                <a:latin typeface="Calibri" panose="020F0502020204030204" pitchFamily="34" charset="0"/>
-                <a:ea typeface="Calibri" panose="020F0502020204030204" pitchFamily="34" charset="0"/>
-                <a:cs typeface="Arial" panose="020B0604020202020204" pitchFamily="34" charset="0"/>
-              </a:rPr>
-              <a:t>module</a:t>
-            </a:r>
-            <a:r>
-              <a:rPr lang="en-US" sz="1400" dirty="0">
-                <a:solidFill>
-                  <a:srgbClr val="000000"/>
-                </a:solidFill>
-                <a:latin typeface="Calibri" panose="020F0502020204030204" pitchFamily="34" charset="0"/>
-                <a:ea typeface="Calibri" panose="020F0502020204030204" pitchFamily="34" charset="0"/>
-                <a:cs typeface="Arial" panose="020B0604020202020204" pitchFamily="34" charset="0"/>
-              </a:rPr>
-              <a:t>.</a:t>
-            </a:r>
-            <a:r>
-              <a:rPr lang="en-US" sz="1400" b="1" dirty="0">
-                <a:solidFill>
-                  <a:srgbClr val="660E7A"/>
-                </a:solidFill>
-                <a:latin typeface="Calibri" panose="020F0502020204030204" pitchFamily="34" charset="0"/>
-                <a:ea typeface="Calibri" panose="020F0502020204030204" pitchFamily="34" charset="0"/>
-                <a:cs typeface="Arial" panose="020B0604020202020204" pitchFamily="34" charset="0"/>
-              </a:rPr>
-              <a:t>id</a:t>
-            </a:r>
-            <a:r>
-              <a:rPr lang="en-US" sz="1400" dirty="0">
-                <a:solidFill>
-                  <a:srgbClr val="000000"/>
-                </a:solidFill>
-                <a:latin typeface="Calibri" panose="020F0502020204030204" pitchFamily="34" charset="0"/>
-                <a:ea typeface="Calibri" panose="020F0502020204030204" pitchFamily="34" charset="0"/>
-                <a:cs typeface="Arial" panose="020B0604020202020204" pitchFamily="34" charset="0"/>
-              </a:rPr>
-              <a:t>,</a:t>
             </a:r>
             <a:br>
               <a:rPr lang="en-US" sz="1400" dirty="0">
@@ -15844,7 +15753,11 @@
               <a:t>Unlike </a:t>
             </a:r>
             <a:r>
-              <a:rPr lang="en-US" dirty="0" err="1"/>
+              <a:rPr lang="en-US" dirty="0" err="1">
+                <a:solidFill>
+                  <a:srgbClr val="FF0000"/>
+                </a:solidFill>
+              </a:rPr>
               <a:t>markForCheck</a:t>
             </a:r>
             <a:r>
